--- a/desain/desain tampilan.pptx
+++ b/desain/desain tampilan.pptx
@@ -9,6 +9,10 @@
     <p:sldId id="257" r:id="rId3"/>
     <p:sldId id="258" r:id="rId4"/>
     <p:sldId id="259" r:id="rId5"/>
+    <p:sldId id="260" r:id="rId6"/>
+    <p:sldId id="261" r:id="rId7"/>
+    <p:sldId id="262" r:id="rId8"/>
+    <p:sldId id="263" r:id="rId9"/>
   </p:sldIdLst>
   <p:sldSz cx="12192000" cy="6858000"/>
   <p:notesSz cx="6858000" cy="9144000"/>
@@ -107,6 +111,11 @@
       </a:defRPr>
     </a:lvl9pPr>
   </p:defaultTextStyle>
+  <p:extLst>
+    <p:ext uri="{EFAFB233-063F-42B5-8137-9DF3F51BA10A}">
+      <p15:sldGuideLst xmlns:p15="http://schemas.microsoft.com/office/powerpoint/2012/main"/>
+    </p:ext>
+  </p:extLst>
 </p:presentation>
 </file>
 
@@ -6770,12 +6779,397 @@
             </a:r>
             <a:endParaRPr lang="en-US" dirty="0"/>
           </a:p>
+          <a:p>
+            <a:r>
+              <a:rPr lang="en-US" dirty="0" err="1"/>
+              <a:t>Mengubah</a:t>
+            </a:r>
+            <a:r>
+              <a:rPr lang="en-US" dirty="0"/>
+              <a:t> data </a:t>
+            </a:r>
+            <a:r>
+              <a:rPr lang="en-US" dirty="0" err="1"/>
+              <a:t>penyewa</a:t>
+            </a:r>
+            <a:endParaRPr lang="en-US" dirty="0"/>
+          </a:p>
+          <a:p>
+            <a:r>
+              <a:rPr lang="en-US" dirty="0" err="1"/>
+              <a:t>Menghapus</a:t>
+            </a:r>
+            <a:r>
+              <a:rPr lang="en-US" dirty="0"/>
+              <a:t> data </a:t>
+            </a:r>
+            <a:r>
+              <a:rPr lang="en-US" dirty="0" err="1"/>
+              <a:t>penyewa</a:t>
+            </a:r>
+            <a:endParaRPr lang="en-US" dirty="0"/>
+          </a:p>
         </p:txBody>
       </p:sp>
     </p:spTree>
     <p:extLst>
       <p:ext uri="{BB962C8B-B14F-4D97-AF65-F5344CB8AC3E}">
         <p14:creationId xmlns:p14="http://schemas.microsoft.com/office/powerpoint/2010/main" val="155410774"/>
+      </p:ext>
+    </p:extLst>
+  </p:cSld>
+  <p:clrMapOvr>
+    <a:masterClrMapping/>
+  </p:clrMapOvr>
+</p:sld>
+</file>
+
+<file path=ppt/slides/slide5.xml><?xml version="1.0" encoding="utf-8"?>
+<p:sld xmlns:a="http://schemas.openxmlformats.org/drawingml/2006/main" xmlns:r="http://schemas.openxmlformats.org/officeDocument/2006/relationships" xmlns:p="http://schemas.openxmlformats.org/presentationml/2006/main">
+  <p:cSld>
+    <p:spTree>
+      <p:nvGrpSpPr>
+        <p:cNvPr id="1" name=""/>
+        <p:cNvGrpSpPr/>
+        <p:nvPr/>
+      </p:nvGrpSpPr>
+      <p:grpSpPr>
+        <a:xfrm>
+          <a:off x="0" y="0"/>
+          <a:ext cx="0" cy="0"/>
+          <a:chOff x="0" y="0"/>
+          <a:chExt cx="0" cy="0"/>
+        </a:xfrm>
+      </p:grpSpPr>
+      <p:sp>
+        <p:nvSpPr>
+          <p:cNvPr id="2" name="Title 1">
+            <a:extLst>
+              <a:ext uri="{FF2B5EF4-FFF2-40B4-BE49-F238E27FC236}">
+                <a16:creationId xmlns:a16="http://schemas.microsoft.com/office/drawing/2014/main" id="{C7EF2D1D-6EF1-4709-B3E7-97695F56CFFC}"/>
+              </a:ext>
+            </a:extLst>
+          </p:cNvPr>
+          <p:cNvSpPr>
+            <a:spLocks noGrp="1"/>
+          </p:cNvSpPr>
+          <p:nvPr>
+            <p:ph type="title"/>
+          </p:nvPr>
+        </p:nvSpPr>
+        <p:spPr>
+          <a:xfrm>
+            <a:off x="685800" y="685800"/>
+            <a:ext cx="10396882" cy="1151965"/>
+          </a:xfrm>
+        </p:spPr>
+        <p:txBody>
+          <a:bodyPr/>
+          <a:lstStyle/>
+          <a:p>
+            <a:endParaRPr lang="en-US" dirty="0"/>
+          </a:p>
+        </p:txBody>
+      </p:sp>
+      <p:pic>
+        <p:nvPicPr>
+          <p:cNvPr id="5" name="Content Placeholder 4">
+            <a:extLst>
+              <a:ext uri="{FF2B5EF4-FFF2-40B4-BE49-F238E27FC236}">
+                <a16:creationId xmlns:a16="http://schemas.microsoft.com/office/drawing/2014/main" id="{2BA81EAB-626E-4A4E-947C-5E95DBA18072}"/>
+              </a:ext>
+            </a:extLst>
+          </p:cNvPr>
+          <p:cNvPicPr>
+            <a:picLocks noGrp="1" noChangeAspect="1"/>
+          </p:cNvPicPr>
+          <p:nvPr>
+            <p:ph sz="quarter" idx="13"/>
+          </p:nvPr>
+        </p:nvPicPr>
+        <p:blipFill>
+          <a:blip r:embed="rId2">
+            <a:extLst>
+              <a:ext uri="{28A0092B-C50C-407E-A947-70E740481C1C}">
+                <a14:useLocalDpi xmlns:a14="http://schemas.microsoft.com/office/drawing/2010/main" val="0"/>
+              </a:ext>
+            </a:extLst>
+          </a:blip>
+          <a:stretch>
+            <a:fillRect/>
+          </a:stretch>
+        </p:blipFill>
+        <p:spPr>
+          <a:xfrm>
+            <a:off x="342201" y="96454"/>
+            <a:ext cx="11507598" cy="6413972"/>
+          </a:xfrm>
+        </p:spPr>
+      </p:pic>
+    </p:spTree>
+    <p:extLst>
+      <p:ext uri="{BB962C8B-B14F-4D97-AF65-F5344CB8AC3E}">
+        <p14:creationId xmlns:p14="http://schemas.microsoft.com/office/powerpoint/2010/main" val="3856696529"/>
+      </p:ext>
+    </p:extLst>
+  </p:cSld>
+  <p:clrMapOvr>
+    <a:masterClrMapping/>
+  </p:clrMapOvr>
+</p:sld>
+</file>
+
+<file path=ppt/slides/slide6.xml><?xml version="1.0" encoding="utf-8"?>
+<p:sld xmlns:a="http://schemas.openxmlformats.org/drawingml/2006/main" xmlns:r="http://schemas.openxmlformats.org/officeDocument/2006/relationships" xmlns:p="http://schemas.openxmlformats.org/presentationml/2006/main">
+  <p:cSld>
+    <p:spTree>
+      <p:nvGrpSpPr>
+        <p:cNvPr id="1" name=""/>
+        <p:cNvGrpSpPr/>
+        <p:nvPr/>
+      </p:nvGrpSpPr>
+      <p:grpSpPr>
+        <a:xfrm>
+          <a:off x="0" y="0"/>
+          <a:ext cx="0" cy="0"/>
+          <a:chOff x="0" y="0"/>
+          <a:chExt cx="0" cy="0"/>
+        </a:xfrm>
+      </p:grpSpPr>
+      <p:sp>
+        <p:nvSpPr>
+          <p:cNvPr id="2" name="Title 1">
+            <a:extLst>
+              <a:ext uri="{FF2B5EF4-FFF2-40B4-BE49-F238E27FC236}">
+                <a16:creationId xmlns:a16="http://schemas.microsoft.com/office/drawing/2014/main" id="{659B28EB-9AFC-4D91-A487-9601A254A21A}"/>
+              </a:ext>
+            </a:extLst>
+          </p:cNvPr>
+          <p:cNvSpPr>
+            <a:spLocks noGrp="1"/>
+          </p:cNvSpPr>
+          <p:nvPr>
+            <p:ph type="title"/>
+          </p:nvPr>
+        </p:nvSpPr>
+        <p:spPr/>
+        <p:txBody>
+          <a:bodyPr/>
+          <a:lstStyle/>
+          <a:p>
+            <a:endParaRPr lang="en-US"/>
+          </a:p>
+        </p:txBody>
+      </p:sp>
+      <p:pic>
+        <p:nvPicPr>
+          <p:cNvPr id="5" name="Content Placeholder 4">
+            <a:extLst>
+              <a:ext uri="{FF2B5EF4-FFF2-40B4-BE49-F238E27FC236}">
+                <a16:creationId xmlns:a16="http://schemas.microsoft.com/office/drawing/2014/main" id="{2B0CA45C-9A53-4D20-BC70-2080CD90FE5A}"/>
+              </a:ext>
+            </a:extLst>
+          </p:cNvPr>
+          <p:cNvPicPr>
+            <a:picLocks noGrp="1" noChangeAspect="1"/>
+          </p:cNvPicPr>
+          <p:nvPr>
+            <p:ph sz="quarter" idx="13"/>
+          </p:nvPr>
+        </p:nvPicPr>
+        <p:blipFill>
+          <a:blip r:embed="rId2">
+            <a:extLst>
+              <a:ext uri="{28A0092B-C50C-407E-A947-70E740481C1C}">
+                <a14:useLocalDpi xmlns:a14="http://schemas.microsoft.com/office/drawing/2010/main" val="0"/>
+              </a:ext>
+            </a:extLst>
+          </a:blip>
+          <a:stretch>
+            <a:fillRect/>
+          </a:stretch>
+        </p:blipFill>
+        <p:spPr>
+          <a:xfrm>
+            <a:off x="140368" y="359979"/>
+            <a:ext cx="11673593" cy="5812221"/>
+          </a:xfrm>
+        </p:spPr>
+      </p:pic>
+    </p:spTree>
+    <p:extLst>
+      <p:ext uri="{BB962C8B-B14F-4D97-AF65-F5344CB8AC3E}">
+        <p14:creationId xmlns:p14="http://schemas.microsoft.com/office/powerpoint/2010/main" val="1021959042"/>
+      </p:ext>
+    </p:extLst>
+  </p:cSld>
+  <p:clrMapOvr>
+    <a:masterClrMapping/>
+  </p:clrMapOvr>
+</p:sld>
+</file>
+
+<file path=ppt/slides/slide7.xml><?xml version="1.0" encoding="utf-8"?>
+<p:sld xmlns:a="http://schemas.openxmlformats.org/drawingml/2006/main" xmlns:r="http://schemas.openxmlformats.org/officeDocument/2006/relationships" xmlns:p="http://schemas.openxmlformats.org/presentationml/2006/main">
+  <p:cSld>
+    <p:spTree>
+      <p:nvGrpSpPr>
+        <p:cNvPr id="1" name=""/>
+        <p:cNvGrpSpPr/>
+        <p:nvPr/>
+      </p:nvGrpSpPr>
+      <p:grpSpPr>
+        <a:xfrm>
+          <a:off x="0" y="0"/>
+          <a:ext cx="0" cy="0"/>
+          <a:chOff x="0" y="0"/>
+          <a:chExt cx="0" cy="0"/>
+        </a:xfrm>
+      </p:grpSpPr>
+      <p:sp>
+        <p:nvSpPr>
+          <p:cNvPr id="2" name="Title 1">
+            <a:extLst>
+              <a:ext uri="{FF2B5EF4-FFF2-40B4-BE49-F238E27FC236}">
+                <a16:creationId xmlns:a16="http://schemas.microsoft.com/office/drawing/2014/main" id="{F43C1B4C-454D-41DE-80AF-D69C6322A8AB}"/>
+              </a:ext>
+            </a:extLst>
+          </p:cNvPr>
+          <p:cNvSpPr>
+            <a:spLocks noGrp="1"/>
+          </p:cNvSpPr>
+          <p:nvPr>
+            <p:ph type="title"/>
+          </p:nvPr>
+        </p:nvSpPr>
+        <p:spPr/>
+        <p:txBody>
+          <a:bodyPr/>
+          <a:lstStyle/>
+          <a:p>
+            <a:endParaRPr lang="en-US"/>
+          </a:p>
+        </p:txBody>
+      </p:sp>
+      <p:pic>
+        <p:nvPicPr>
+          <p:cNvPr id="9" name="Content Placeholder 8">
+            <a:extLst>
+              <a:ext uri="{FF2B5EF4-FFF2-40B4-BE49-F238E27FC236}">
+                <a16:creationId xmlns:a16="http://schemas.microsoft.com/office/drawing/2014/main" id="{25979101-8C11-4485-9382-5AD94E01EF96}"/>
+              </a:ext>
+            </a:extLst>
+          </p:cNvPr>
+          <p:cNvPicPr>
+            <a:picLocks noGrp="1" noChangeAspect="1"/>
+          </p:cNvPicPr>
+          <p:nvPr>
+            <p:ph sz="quarter" idx="13"/>
+          </p:nvPr>
+        </p:nvPicPr>
+        <p:blipFill>
+          <a:blip r:embed="rId2">
+            <a:extLst>
+              <a:ext uri="{28A0092B-C50C-407E-A947-70E740481C1C}">
+                <a14:useLocalDpi xmlns:a14="http://schemas.microsoft.com/office/drawing/2010/main" val="0"/>
+              </a:ext>
+            </a:extLst>
+          </a:blip>
+          <a:stretch>
+            <a:fillRect/>
+          </a:stretch>
+        </p:blipFill>
+        <p:spPr>
+          <a:xfrm>
+            <a:off x="114254" y="578069"/>
+            <a:ext cx="11963492" cy="5496910"/>
+          </a:xfrm>
+        </p:spPr>
+      </p:pic>
+    </p:spTree>
+    <p:extLst>
+      <p:ext uri="{BB962C8B-B14F-4D97-AF65-F5344CB8AC3E}">
+        <p14:creationId xmlns:p14="http://schemas.microsoft.com/office/powerpoint/2010/main" val="520737662"/>
+      </p:ext>
+    </p:extLst>
+  </p:cSld>
+  <p:clrMapOvr>
+    <a:masterClrMapping/>
+  </p:clrMapOvr>
+</p:sld>
+</file>
+
+<file path=ppt/slides/slide8.xml><?xml version="1.0" encoding="utf-8"?>
+<p:sld xmlns:a="http://schemas.openxmlformats.org/drawingml/2006/main" xmlns:r="http://schemas.openxmlformats.org/officeDocument/2006/relationships" xmlns:p="http://schemas.openxmlformats.org/presentationml/2006/main">
+  <p:cSld>
+    <p:spTree>
+      <p:nvGrpSpPr>
+        <p:cNvPr id="1" name=""/>
+        <p:cNvGrpSpPr/>
+        <p:nvPr/>
+      </p:nvGrpSpPr>
+      <p:grpSpPr>
+        <a:xfrm>
+          <a:off x="0" y="0"/>
+          <a:ext cx="0" cy="0"/>
+          <a:chOff x="0" y="0"/>
+          <a:chExt cx="0" cy="0"/>
+        </a:xfrm>
+      </p:grpSpPr>
+      <p:sp>
+        <p:nvSpPr>
+          <p:cNvPr id="2" name="Title 1">
+            <a:extLst>
+              <a:ext uri="{FF2B5EF4-FFF2-40B4-BE49-F238E27FC236}">
+                <a16:creationId xmlns:a16="http://schemas.microsoft.com/office/drawing/2014/main" id="{B6CDC80C-3D77-46F4-848A-B6FE5B2198BD}"/>
+              </a:ext>
+            </a:extLst>
+          </p:cNvPr>
+          <p:cNvSpPr>
+            <a:spLocks noGrp="1"/>
+          </p:cNvSpPr>
+          <p:nvPr>
+            <p:ph type="title"/>
+          </p:nvPr>
+        </p:nvSpPr>
+        <p:spPr/>
+        <p:txBody>
+          <a:bodyPr/>
+          <a:lstStyle/>
+          <a:p>
+            <a:endParaRPr lang="en-US"/>
+          </a:p>
+        </p:txBody>
+      </p:sp>
+      <p:sp>
+        <p:nvSpPr>
+          <p:cNvPr id="3" name="Content Placeholder 2">
+            <a:extLst>
+              <a:ext uri="{FF2B5EF4-FFF2-40B4-BE49-F238E27FC236}">
+                <a16:creationId xmlns:a16="http://schemas.microsoft.com/office/drawing/2014/main" id="{E27ABF39-F386-45D8-8EE4-FD7D56AC0362}"/>
+              </a:ext>
+            </a:extLst>
+          </p:cNvPr>
+          <p:cNvSpPr>
+            <a:spLocks noGrp="1"/>
+          </p:cNvSpPr>
+          <p:nvPr>
+            <p:ph sz="quarter" idx="13"/>
+          </p:nvPr>
+        </p:nvSpPr>
+        <p:spPr/>
+        <p:txBody>
+          <a:bodyPr/>
+          <a:lstStyle/>
+          <a:p>
+            <a:endParaRPr lang="en-US"/>
+          </a:p>
+        </p:txBody>
+      </p:sp>
+    </p:spTree>
+    <p:extLst>
+      <p:ext uri="{BB962C8B-B14F-4D97-AF65-F5344CB8AC3E}">
+        <p14:creationId xmlns:p14="http://schemas.microsoft.com/office/powerpoint/2010/main" val="1267743927"/>
       </p:ext>
     </p:extLst>
   </p:cSld>

--- a/desain/desain tampilan.pptx
+++ b/desain/desain tampilan.pptx
@@ -12,7 +12,8 @@
     <p:sldId id="260" r:id="rId6"/>
     <p:sldId id="261" r:id="rId7"/>
     <p:sldId id="262" r:id="rId8"/>
-    <p:sldId id="263" r:id="rId9"/>
+    <p:sldId id="264" r:id="rId9"/>
+    <p:sldId id="263" r:id="rId10"/>
   </p:sldIdLst>
   <p:sldSz cx="12192000" cy="6858000"/>
   <p:notesSz cx="6858000" cy="9144000"/>
@@ -6963,10 +6964,10 @@
       </p:sp>
       <p:pic>
         <p:nvPicPr>
-          <p:cNvPr id="5" name="Content Placeholder 4">
+          <p:cNvPr id="7" name="Content Placeholder 6">
             <a:extLst>
               <a:ext uri="{FF2B5EF4-FFF2-40B4-BE49-F238E27FC236}">
-                <a16:creationId xmlns:a16="http://schemas.microsoft.com/office/drawing/2014/main" id="{2B0CA45C-9A53-4D20-BC70-2080CD90FE5A}"/>
+                <a16:creationId xmlns:a16="http://schemas.microsoft.com/office/drawing/2014/main" id="{FFE966BD-0203-4869-A610-A24A38C04F69}"/>
               </a:ext>
             </a:extLst>
           </p:cNvPr>
@@ -6991,8 +6992,8 @@
         </p:blipFill>
         <p:spPr>
           <a:xfrm>
-            <a:off x="140368" y="359979"/>
-            <a:ext cx="11673593" cy="5812221"/>
+            <a:off x="0" y="396765"/>
+            <a:ext cx="12180222" cy="6064469"/>
           </a:xfrm>
         </p:spPr>
       </p:pic>
@@ -7121,6 +7122,96 @@
           <p:cNvPr id="2" name="Title 1">
             <a:extLst>
               <a:ext uri="{FF2B5EF4-FFF2-40B4-BE49-F238E27FC236}">
+                <a16:creationId xmlns:a16="http://schemas.microsoft.com/office/drawing/2014/main" id="{AD22187F-9660-4094-B108-041E4EC41845}"/>
+              </a:ext>
+            </a:extLst>
+          </p:cNvPr>
+          <p:cNvSpPr>
+            <a:spLocks noGrp="1"/>
+          </p:cNvSpPr>
+          <p:nvPr>
+            <p:ph type="title"/>
+          </p:nvPr>
+        </p:nvSpPr>
+        <p:spPr/>
+        <p:txBody>
+          <a:bodyPr/>
+          <a:lstStyle/>
+          <a:p>
+            <a:endParaRPr lang="en-US"/>
+          </a:p>
+        </p:txBody>
+      </p:sp>
+      <p:pic>
+        <p:nvPicPr>
+          <p:cNvPr id="5" name="Content Placeholder 4">
+            <a:extLst>
+              <a:ext uri="{FF2B5EF4-FFF2-40B4-BE49-F238E27FC236}">
+                <a16:creationId xmlns:a16="http://schemas.microsoft.com/office/drawing/2014/main" id="{052D0F4F-DE45-4B63-ADF9-A39396806A02}"/>
+              </a:ext>
+            </a:extLst>
+          </p:cNvPr>
+          <p:cNvPicPr>
+            <a:picLocks noGrp="1" noChangeAspect="1"/>
+          </p:cNvPicPr>
+          <p:nvPr>
+            <p:ph sz="quarter" idx="13"/>
+          </p:nvPr>
+        </p:nvPicPr>
+        <p:blipFill>
+          <a:blip r:embed="rId2">
+            <a:extLst>
+              <a:ext uri="{28A0092B-C50C-407E-A947-70E740481C1C}">
+                <a14:useLocalDpi xmlns:a14="http://schemas.microsoft.com/office/drawing/2010/main" val="0"/>
+              </a:ext>
+            </a:extLst>
+          </a:blip>
+          <a:stretch>
+            <a:fillRect/>
+          </a:stretch>
+        </p:blipFill>
+        <p:spPr>
+          <a:xfrm>
+            <a:off x="0" y="255970"/>
+            <a:ext cx="12184140" cy="5598292"/>
+          </a:xfrm>
+        </p:spPr>
+      </p:pic>
+    </p:spTree>
+    <p:extLst>
+      <p:ext uri="{BB962C8B-B14F-4D97-AF65-F5344CB8AC3E}">
+        <p14:creationId xmlns:p14="http://schemas.microsoft.com/office/powerpoint/2010/main" val="3903364100"/>
+      </p:ext>
+    </p:extLst>
+  </p:cSld>
+  <p:clrMapOvr>
+    <a:masterClrMapping/>
+  </p:clrMapOvr>
+</p:sld>
+</file>
+
+<file path=ppt/slides/slide9.xml><?xml version="1.0" encoding="utf-8"?>
+<p:sld xmlns:a="http://schemas.openxmlformats.org/drawingml/2006/main" xmlns:r="http://schemas.openxmlformats.org/officeDocument/2006/relationships" xmlns:p="http://schemas.openxmlformats.org/presentationml/2006/main">
+  <p:cSld>
+    <p:spTree>
+      <p:nvGrpSpPr>
+        <p:cNvPr id="1" name=""/>
+        <p:cNvGrpSpPr/>
+        <p:nvPr/>
+      </p:nvGrpSpPr>
+      <p:grpSpPr>
+        <a:xfrm>
+          <a:off x="0" y="0"/>
+          <a:ext cx="0" cy="0"/>
+          <a:chOff x="0" y="0"/>
+          <a:chExt cx="0" cy="0"/>
+        </a:xfrm>
+      </p:grpSpPr>
+      <p:sp>
+        <p:nvSpPr>
+          <p:cNvPr id="2" name="Title 1">
+            <a:extLst>
+              <a:ext uri="{FF2B5EF4-FFF2-40B4-BE49-F238E27FC236}">
                 <a16:creationId xmlns:a16="http://schemas.microsoft.com/office/drawing/2014/main" id="{B6CDC80C-3D77-46F4-848A-B6FE5B2198BD}"/>
               </a:ext>
             </a:extLst>
@@ -7141,31 +7232,41 @@
           </a:p>
         </p:txBody>
       </p:sp>
-      <p:sp>
-        <p:nvSpPr>
-          <p:cNvPr id="3" name="Content Placeholder 2">
+      <p:pic>
+        <p:nvPicPr>
+          <p:cNvPr id="5" name="Content Placeholder 4">
             <a:extLst>
               <a:ext uri="{FF2B5EF4-FFF2-40B4-BE49-F238E27FC236}">
-                <a16:creationId xmlns:a16="http://schemas.microsoft.com/office/drawing/2014/main" id="{E27ABF39-F386-45D8-8EE4-FD7D56AC0362}"/>
+                <a16:creationId xmlns:a16="http://schemas.microsoft.com/office/drawing/2014/main" id="{420B8044-84CF-489E-9F72-2EB107FDEFF3}"/>
               </a:ext>
             </a:extLst>
           </p:cNvPr>
-          <p:cNvSpPr>
-            <a:spLocks noGrp="1"/>
-          </p:cNvSpPr>
+          <p:cNvPicPr>
+            <a:picLocks noGrp="1" noChangeAspect="1"/>
+          </p:cNvPicPr>
           <p:nvPr>
             <p:ph sz="quarter" idx="13"/>
           </p:nvPr>
-        </p:nvSpPr>
-        <p:spPr/>
-        <p:txBody>
-          <a:bodyPr/>
-          <a:lstStyle/>
-          <a:p>
-            <a:endParaRPr lang="en-US"/>
-          </a:p>
-        </p:txBody>
-      </p:sp>
+        </p:nvPicPr>
+        <p:blipFill>
+          <a:blip r:embed="rId2">
+            <a:extLst>
+              <a:ext uri="{28A0092B-C50C-407E-A947-70E740481C1C}">
+                <a14:useLocalDpi xmlns:a14="http://schemas.microsoft.com/office/drawing/2010/main" val="0"/>
+              </a:ext>
+            </a:extLst>
+          </a:blip>
+          <a:stretch>
+            <a:fillRect/>
+          </a:stretch>
+        </p:blipFill>
+        <p:spPr>
+          <a:xfrm>
+            <a:off x="153638" y="287501"/>
+            <a:ext cx="11554886" cy="5850422"/>
+          </a:xfrm>
+        </p:spPr>
+      </p:pic>
     </p:spTree>
     <p:extLst>
       <p:ext uri="{BB962C8B-B14F-4D97-AF65-F5344CB8AC3E}">
